--- a/w1_getting_started/lesson/w1_starter.pptx
+++ b/w1_getting_started/lesson/w1_starter.pptx
@@ -5,8 +5,7 @@
     <p:sldMasterId id="2147483648" r:id="rId1"/>
   </p:sldMasterIdLst>
   <p:sldIdLst>
-    <p:sldId id="256" r:id="rId2"/>
-    <p:sldId id="257" r:id="rId3"/>
+    <p:sldId id="257" r:id="rId2"/>
   </p:sldIdLst>
   <p:sldSz cx="12192000" cy="6858000"/>
   <p:notesSz cx="6858000" cy="9144000"/>
@@ -298,7 +297,7 @@
           <a:p>
             <a:fld id="{4DA0D419-630B-4C1F-82D7-EE271A401DA8}" type="datetimeFigureOut">
               <a:rPr lang="en-GB" smtClean="0"/>
-              <a:t>22/09/2024</a:t>
+              <a:t>20/09/2025</a:t>
             </a:fld>
             <a:endParaRPr lang="en-GB"/>
           </a:p>
@@ -498,7 +497,7 @@
           <a:p>
             <a:fld id="{4DA0D419-630B-4C1F-82D7-EE271A401DA8}" type="datetimeFigureOut">
               <a:rPr lang="en-GB" smtClean="0"/>
-              <a:t>22/09/2024</a:t>
+              <a:t>20/09/2025</a:t>
             </a:fld>
             <a:endParaRPr lang="en-GB"/>
           </a:p>
@@ -708,7 +707,7 @@
           <a:p>
             <a:fld id="{4DA0D419-630B-4C1F-82D7-EE271A401DA8}" type="datetimeFigureOut">
               <a:rPr lang="en-GB" smtClean="0"/>
-              <a:t>22/09/2024</a:t>
+              <a:t>20/09/2025</a:t>
             </a:fld>
             <a:endParaRPr lang="en-GB"/>
           </a:p>
@@ -908,7 +907,7 @@
           <a:p>
             <a:fld id="{4DA0D419-630B-4C1F-82D7-EE271A401DA8}" type="datetimeFigureOut">
               <a:rPr lang="en-GB" smtClean="0"/>
-              <a:t>22/09/2024</a:t>
+              <a:t>20/09/2025</a:t>
             </a:fld>
             <a:endParaRPr lang="en-GB"/>
           </a:p>
@@ -1184,7 +1183,7 @@
           <a:p>
             <a:fld id="{4DA0D419-630B-4C1F-82D7-EE271A401DA8}" type="datetimeFigureOut">
               <a:rPr lang="en-GB" smtClean="0"/>
-              <a:t>22/09/2024</a:t>
+              <a:t>20/09/2025</a:t>
             </a:fld>
             <a:endParaRPr lang="en-GB"/>
           </a:p>
@@ -1452,7 +1451,7 @@
           <a:p>
             <a:fld id="{4DA0D419-630B-4C1F-82D7-EE271A401DA8}" type="datetimeFigureOut">
               <a:rPr lang="en-GB" smtClean="0"/>
-              <a:t>22/09/2024</a:t>
+              <a:t>20/09/2025</a:t>
             </a:fld>
             <a:endParaRPr lang="en-GB"/>
           </a:p>
@@ -1867,7 +1866,7 @@
           <a:p>
             <a:fld id="{4DA0D419-630B-4C1F-82D7-EE271A401DA8}" type="datetimeFigureOut">
               <a:rPr lang="en-GB" smtClean="0"/>
-              <a:t>22/09/2024</a:t>
+              <a:t>20/09/2025</a:t>
             </a:fld>
             <a:endParaRPr lang="en-GB"/>
           </a:p>
@@ -2009,7 +2008,7 @@
           <a:p>
             <a:fld id="{4DA0D419-630B-4C1F-82D7-EE271A401DA8}" type="datetimeFigureOut">
               <a:rPr lang="en-GB" smtClean="0"/>
-              <a:t>22/09/2024</a:t>
+              <a:t>20/09/2025</a:t>
             </a:fld>
             <a:endParaRPr lang="en-GB"/>
           </a:p>
@@ -2122,7 +2121,7 @@
           <a:p>
             <a:fld id="{4DA0D419-630B-4C1F-82D7-EE271A401DA8}" type="datetimeFigureOut">
               <a:rPr lang="en-GB" smtClean="0"/>
-              <a:t>22/09/2024</a:t>
+              <a:t>20/09/2025</a:t>
             </a:fld>
             <a:endParaRPr lang="en-GB"/>
           </a:p>
@@ -2435,7 +2434,7 @@
           <a:p>
             <a:fld id="{4DA0D419-630B-4C1F-82D7-EE271A401DA8}" type="datetimeFigureOut">
               <a:rPr lang="en-GB" smtClean="0"/>
-              <a:t>22/09/2024</a:t>
+              <a:t>20/09/2025</a:t>
             </a:fld>
             <a:endParaRPr lang="en-GB"/>
           </a:p>
@@ -2724,7 +2723,7 @@
           <a:p>
             <a:fld id="{4DA0D419-630B-4C1F-82D7-EE271A401DA8}" type="datetimeFigureOut">
               <a:rPr lang="en-GB" smtClean="0"/>
-              <a:t>22/09/2024</a:t>
+              <a:t>20/09/2025</a:t>
             </a:fld>
             <a:endParaRPr lang="en-GB"/>
           </a:p>
@@ -2967,7 +2966,7 @@
           <a:p>
             <a:fld id="{4DA0D419-630B-4C1F-82D7-EE271A401DA8}" type="datetimeFigureOut">
               <a:rPr lang="en-GB" smtClean="0"/>
-              <a:t>22/09/2024</a:t>
+              <a:t>20/09/2025</a:t>
             </a:fld>
             <a:endParaRPr lang="en-GB"/>
           </a:p>
@@ -3389,15 +3388,15 @@
           <p:cNvPr id="2" name="Title 1">
             <a:extLst>
               <a:ext uri="{FF2B5EF4-FFF2-40B4-BE49-F238E27FC236}">
-                <a16:creationId xmlns:a16="http://schemas.microsoft.com/office/drawing/2014/main" id="{16A76BEA-2F6B-3F29-86FA-8228B3005BD0}"/>
-              </a:ext>
-            </a:extLst>
-          </p:cNvPr>
-          <p:cNvSpPr>
-            <a:spLocks noGrp="1"/>
-          </p:cNvSpPr>
-          <p:nvPr>
-            <p:ph type="ctrTitle"/>
+                <a16:creationId xmlns:a16="http://schemas.microsoft.com/office/drawing/2014/main" id="{7609CFF4-599C-AA78-2EC5-C1524317CB56}"/>
+              </a:ext>
+            </a:extLst>
+          </p:cNvPr>
+          <p:cNvSpPr>
+            <a:spLocks noGrp="1"/>
+          </p:cNvSpPr>
+          <p:nvPr>
+            <p:ph type="title"/>
           </p:nvPr>
         </p:nvSpPr>
         <p:spPr/>
@@ -3407,116 +3406,13 @@
           <a:p>
             <a:r>
               <a:rPr lang="en-GB" dirty="0"/>
-              <a:t>LIN 6209</a:t>
+              <a:t>Try some Python now . . .</a:t>
             </a:r>
             <a:br>
               <a:rPr lang="en-GB" dirty="0"/>
             </a:br>
             <a:r>
               <a:rPr lang="en-GB" dirty="0"/>
-              <a:t>Coding for Linguists</a:t>
-            </a:r>
-          </a:p>
-        </p:txBody>
-      </p:sp>
-      <p:sp>
-        <p:nvSpPr>
-          <p:cNvPr id="3" name="Subtitle 2">
-            <a:extLst>
-              <a:ext uri="{FF2B5EF4-FFF2-40B4-BE49-F238E27FC236}">
-                <a16:creationId xmlns:a16="http://schemas.microsoft.com/office/drawing/2014/main" id="{369177C6-36EC-9866-CD86-1276A0214B89}"/>
-              </a:ext>
-            </a:extLst>
-          </p:cNvPr>
-          <p:cNvSpPr>
-            <a:spLocks noGrp="1"/>
-          </p:cNvSpPr>
-          <p:nvPr>
-            <p:ph type="subTitle" idx="1"/>
-          </p:nvPr>
-        </p:nvSpPr>
-        <p:spPr/>
-        <p:txBody>
-          <a:bodyPr/>
-          <a:lstStyle/>
-          <a:p>
-            <a:endParaRPr lang="en-GB"/>
-          </a:p>
-        </p:txBody>
-      </p:sp>
-    </p:spTree>
-    <p:extLst>
-      <p:ext uri="{BB962C8B-B14F-4D97-AF65-F5344CB8AC3E}">
-        <p14:creationId xmlns:p14="http://schemas.microsoft.com/office/powerpoint/2010/main" val="3656891188"/>
-      </p:ext>
-    </p:extLst>
-  </p:cSld>
-  <p:clrMapOvr>
-    <a:masterClrMapping/>
-  </p:clrMapOvr>
-  <mc:AlternateContent xmlns:mc="http://schemas.openxmlformats.org/markup-compatibility/2006" xmlns:p14="http://schemas.microsoft.com/office/powerpoint/2010/main">
-    <mc:Choice Requires="p14">
-      <p:transition spd="slow" p14:dur="5000" advTm="5000"/>
-    </mc:Choice>
-    <mc:Fallback xmlns="">
-      <p:transition spd="slow" advTm="5000"/>
-    </mc:Fallback>
-  </mc:AlternateContent>
-</p:sld>
-</file>
-
-<file path=ppt/slides/slide2.xml><?xml version="1.0" encoding="utf-8"?>
-<p:sld xmlns:a="http://schemas.openxmlformats.org/drawingml/2006/main" xmlns:r="http://schemas.openxmlformats.org/officeDocument/2006/relationships" xmlns:p="http://schemas.openxmlformats.org/presentationml/2006/main">
-  <p:cSld>
-    <p:spTree>
-      <p:nvGrpSpPr>
-        <p:cNvPr id="1" name=""/>
-        <p:cNvGrpSpPr/>
-        <p:nvPr/>
-      </p:nvGrpSpPr>
-      <p:grpSpPr>
-        <a:xfrm>
-          <a:off x="0" y="0"/>
-          <a:ext cx="0" cy="0"/>
-          <a:chOff x="0" y="0"/>
-          <a:chExt cx="0" cy="0"/>
-        </a:xfrm>
-      </p:grpSpPr>
-      <p:sp>
-        <p:nvSpPr>
-          <p:cNvPr id="2" name="Title 1">
-            <a:extLst>
-              <a:ext uri="{FF2B5EF4-FFF2-40B4-BE49-F238E27FC236}">
-                <a16:creationId xmlns:a16="http://schemas.microsoft.com/office/drawing/2014/main" id="{7609CFF4-599C-AA78-2EC5-C1524317CB56}"/>
-              </a:ext>
-            </a:extLst>
-          </p:cNvPr>
-          <p:cNvSpPr>
-            <a:spLocks noGrp="1"/>
-          </p:cNvSpPr>
-          <p:nvPr>
-            <p:ph type="title"/>
-          </p:nvPr>
-        </p:nvSpPr>
-        <p:spPr>
-          <a:xfrm>
-            <a:off x="838200" y="365125"/>
-            <a:ext cx="10515600" cy="1325563"/>
-          </a:xfrm>
-        </p:spPr>
-        <p:txBody>
-          <a:bodyPr/>
-          <a:lstStyle/>
-          <a:p>
-            <a:r>
-              <a:rPr lang="en-GB" dirty="0"/>
-              <a:t>Try some Python now</a:t>
-            </a:r>
-            <a:br>
-              <a:rPr lang="en-GB" dirty="0"/>
-            </a:br>
-            <a:r>
-              <a:rPr lang="en-GB" dirty="0"/>
               <a:t>		open your laptop and . . .</a:t>
             </a:r>
           </a:p>
@@ -3541,7 +3437,7 @@
         <p:spPr>
           <a:xfrm>
             <a:off x="838200" y="1825625"/>
-            <a:ext cx="5181600" cy="4351338"/>
+            <a:ext cx="4286003" cy="4351338"/>
           </a:xfrm>
         </p:spPr>
         <p:txBody>
@@ -3549,6 +3445,15 @@
             <a:normAutofit/>
           </a:bodyPr>
           <a:lstStyle/>
+          <a:p>
+            <a:pPr marL="0" indent="0">
+              <a:buNone/>
+            </a:pPr>
+            <a:r>
+              <a:rPr lang="en-GB" dirty="0"/>
+              <a:t>Firstly:</a:t>
+            </a:r>
+          </a:p>
           <a:p>
             <a:r>
               <a:rPr lang="en-GB" dirty="0"/>
@@ -3577,7 +3482,7 @@
           <a:p>
             <a:r>
               <a:rPr lang="en-GB" dirty="0"/>
-              <a:t>At the interactive python prompt ‘</a:t>
+              <a:t>At the ‘</a:t>
             </a:r>
             <a:r>
               <a:rPr lang="en-GB" b="1" dirty="0"/>
@@ -3607,10 +3512,10 @@
       </p:sp>
       <p:sp>
         <p:nvSpPr>
-          <p:cNvPr id="5" name="Content Placeholder 4">
-            <a:extLst>
-              <a:ext uri="{FF2B5EF4-FFF2-40B4-BE49-F238E27FC236}">
-                <a16:creationId xmlns:a16="http://schemas.microsoft.com/office/drawing/2014/main" id="{0316B185-65FB-478B-45EC-8A0F99B44DE7}"/>
+          <p:cNvPr id="3" name="Content Placeholder 2">
+            <a:extLst>
+              <a:ext uri="{FF2B5EF4-FFF2-40B4-BE49-F238E27FC236}">
+                <a16:creationId xmlns:a16="http://schemas.microsoft.com/office/drawing/2014/main" id="{5B1CE6C9-65DB-EE6D-0F3A-C470B60DE19C}"/>
               </a:ext>
             </a:extLst>
           </p:cNvPr>
@@ -3623,9 +3528,15 @@
         </p:nvSpPr>
         <p:spPr>
           <a:xfrm>
-            <a:off x="6172200" y="1825625"/>
-            <a:ext cx="5181600" cy="4351338"/>
+            <a:off x="5352801" y="1825625"/>
+            <a:ext cx="5602186" cy="4351338"/>
           </a:xfrm>
+          <a:solidFill>
+            <a:schemeClr val="accent2">
+              <a:lumMod val="20000"/>
+              <a:lumOff val="80000"/>
+            </a:schemeClr>
+          </a:solidFill>
         </p:spPr>
         <p:txBody>
           <a:bodyPr>
@@ -3633,49 +3544,49 @@
           </a:bodyPr>
           <a:lstStyle/>
           <a:p>
+            <a:pPr marL="0" indent="0">
+              <a:buNone/>
+            </a:pPr>
             <a:r>
               <a:rPr lang="en-GB" dirty="0"/>
-              <a:t>At the command prompt on your PC type: 	</a:t>
-            </a:r>
-            <a:r>
-              <a:rPr lang="en-GB" b="1" dirty="0"/>
-              <a:t>python</a:t>
+              <a:t>Now try some arithmetic: </a:t>
             </a:r>
           </a:p>
           <a:p>
             <a:r>
               <a:rPr lang="en-GB" dirty="0"/>
-              <a:t>This starts interactive python</a:t>
+              <a:t>2 + 2</a:t>
             </a:r>
           </a:p>
           <a:p>
             <a:r>
               <a:rPr lang="en-GB" dirty="0"/>
-              <a:t>At the interactive python prompt ‘</a:t>
-            </a:r>
-            <a:r>
-              <a:rPr lang="en-GB" b="1" dirty="0"/>
-              <a:t>&gt;&gt;&gt;</a:t>
-            </a:r>
+              <a:t>3 * 3</a:t>
+            </a:r>
+          </a:p>
+          <a:p>
             <a:r>
               <a:rPr lang="en-GB" dirty="0"/>
-              <a:t>’ type:</a:t>
-            </a:r>
-          </a:p>
-          <a:p>
-            <a:pPr marL="0" indent="0">
-              <a:buNone/>
-            </a:pPr>
+              <a:t>4 – 3</a:t>
+            </a:r>
+          </a:p>
+          <a:p>
             <a:r>
               <a:rPr lang="en-GB" dirty="0"/>
-              <a:t>	print(‘Hello World!’)</a:t>
-            </a:r>
-          </a:p>
-          <a:p>
-            <a:pPr marL="0" indent="0">
-              <a:buNone/>
-            </a:pPr>
-            <a:endParaRPr lang="en-GB" dirty="0"/>
+              <a:t>5 / 2,</a:t>
+            </a:r>
+          </a:p>
+          <a:p>
+            <a:r>
+              <a:rPr lang="en-GB" dirty="0"/>
+              <a:t>7 // 2</a:t>
+            </a:r>
+          </a:p>
+          <a:p>
+            <a:r>
+              <a:rPr lang="en-GB" dirty="0"/>
+              <a:t>7 % 2</a:t>
+            </a:r>
           </a:p>
         </p:txBody>
       </p:sp>
@@ -3742,69 +3653,242 @@
       </p:sp>
       <p:sp>
         <p:nvSpPr>
-          <p:cNvPr id="10" name="Rectangle 9">
-            <a:extLst>
-              <a:ext uri="{FF2B5EF4-FFF2-40B4-BE49-F238E27FC236}">
-                <a16:creationId xmlns:a16="http://schemas.microsoft.com/office/drawing/2014/main" id="{29635F82-A07A-0623-47D5-0F75A8BB6A47}"/>
-              </a:ext>
-            </a:extLst>
-          </p:cNvPr>
-          <p:cNvSpPr/>
+          <p:cNvPr id="7" name="Content Placeholder 2">
+            <a:extLst>
+              <a:ext uri="{FF2B5EF4-FFF2-40B4-BE49-F238E27FC236}">
+                <a16:creationId xmlns:a16="http://schemas.microsoft.com/office/drawing/2014/main" id="{5B2C7A9C-A16F-406F-E893-FC063980BB23}"/>
+              </a:ext>
+            </a:extLst>
+          </p:cNvPr>
+          <p:cNvSpPr txBox="1">
+            <a:spLocks/>
+          </p:cNvSpPr>
           <p:nvPr/>
         </p:nvSpPr>
         <p:spPr>
           <a:xfrm>
-            <a:off x="361950" y="5143500"/>
-            <a:ext cx="11706225" cy="1168400"/>
+            <a:off x="7391396" y="2559763"/>
+            <a:ext cx="3563591" cy="3373755"/>
           </a:xfrm>
           <a:prstGeom prst="rect">
             <a:avLst/>
           </a:prstGeom>
+          <a:solidFill>
+            <a:schemeClr val="accent2">
+              <a:lumMod val="20000"/>
+              <a:lumOff val="80000"/>
+            </a:schemeClr>
+          </a:solidFill>
         </p:spPr>
-        <p:style>
-          <a:lnRef idx="2">
-            <a:schemeClr val="accent1">
-              <a:shade val="15000"/>
-            </a:schemeClr>
-          </a:lnRef>
-          <a:fillRef idx="1">
-            <a:schemeClr val="accent1"/>
-          </a:fillRef>
-          <a:effectRef idx="0">
-            <a:schemeClr val="accent1"/>
-          </a:effectRef>
-          <a:fontRef idx="minor">
-            <a:schemeClr val="lt1"/>
-          </a:fontRef>
-        </p:style>
-        <p:txBody>
-          <a:bodyPr rtlCol="0" anchor="ctr"/>
-          <a:lstStyle/>
-          <a:p>
-            <a:pPr algn="ctr"/>
-            <a:r>
-              <a:rPr lang="en-GB" sz="2400" dirty="0"/>
-              <a:t>Next try some arithmetic:  2 + 2,   3 * 3,  4 – 3,  5 / 2,  7 // 2,  7 % 2</a:t>
-            </a:r>
-          </a:p>
-          <a:p>
-            <a:pPr algn="ctr"/>
-            <a:r>
-              <a:rPr lang="en-GB" sz="2400" dirty="0"/>
-              <a:t>And then some string operations: ‘</a:t>
-            </a:r>
-            <a:r>
-              <a:rPr lang="en-GB" sz="2400" dirty="0" err="1"/>
+        <p:txBody>
+          <a:bodyPr vert="horz" lIns="91440" tIns="45720" rIns="91440" bIns="45720" rtlCol="0">
+            <a:normAutofit/>
+          </a:bodyPr>
+          <a:lstStyle>
+            <a:lvl1pPr marL="228600" indent="-228600" algn="l" defTabSz="914400" rtl="0" eaLnBrk="1" latinLnBrk="0" hangingPunct="1">
+              <a:lnSpc>
+                <a:spcPct val="90000"/>
+              </a:lnSpc>
+              <a:spcBef>
+                <a:spcPts val="1000"/>
+              </a:spcBef>
+              <a:buFont typeface="Arial" panose="020B0604020202020204" pitchFamily="34" charset="0"/>
+              <a:buChar char="•"/>
+              <a:defRPr sz="2800" kern="1200">
+                <a:solidFill>
+                  <a:schemeClr val="tx1"/>
+                </a:solidFill>
+                <a:latin typeface="+mn-lt"/>
+                <a:ea typeface="+mn-ea"/>
+                <a:cs typeface="+mn-cs"/>
+              </a:defRPr>
+            </a:lvl1pPr>
+            <a:lvl2pPr marL="685800" indent="-228600" algn="l" defTabSz="914400" rtl="0" eaLnBrk="1" latinLnBrk="0" hangingPunct="1">
+              <a:lnSpc>
+                <a:spcPct val="90000"/>
+              </a:lnSpc>
+              <a:spcBef>
+                <a:spcPts val="500"/>
+              </a:spcBef>
+              <a:buFont typeface="Arial" panose="020B0604020202020204" pitchFamily="34" charset="0"/>
+              <a:buChar char="•"/>
+              <a:defRPr sz="2400" kern="1200">
+                <a:solidFill>
+                  <a:schemeClr val="tx1"/>
+                </a:solidFill>
+                <a:latin typeface="+mn-lt"/>
+                <a:ea typeface="+mn-ea"/>
+                <a:cs typeface="+mn-cs"/>
+              </a:defRPr>
+            </a:lvl2pPr>
+            <a:lvl3pPr marL="1143000" indent="-228600" algn="l" defTabSz="914400" rtl="0" eaLnBrk="1" latinLnBrk="0" hangingPunct="1">
+              <a:lnSpc>
+                <a:spcPct val="90000"/>
+              </a:lnSpc>
+              <a:spcBef>
+                <a:spcPts val="500"/>
+              </a:spcBef>
+              <a:buFont typeface="Arial" panose="020B0604020202020204" pitchFamily="34" charset="0"/>
+              <a:buChar char="•"/>
+              <a:defRPr sz="2000" kern="1200">
+                <a:solidFill>
+                  <a:schemeClr val="tx1"/>
+                </a:solidFill>
+                <a:latin typeface="+mn-lt"/>
+                <a:ea typeface="+mn-ea"/>
+                <a:cs typeface="+mn-cs"/>
+              </a:defRPr>
+            </a:lvl3pPr>
+            <a:lvl4pPr marL="1600200" indent="-228600" algn="l" defTabSz="914400" rtl="0" eaLnBrk="1" latinLnBrk="0" hangingPunct="1">
+              <a:lnSpc>
+                <a:spcPct val="90000"/>
+              </a:lnSpc>
+              <a:spcBef>
+                <a:spcPts val="500"/>
+              </a:spcBef>
+              <a:buFont typeface="Arial" panose="020B0604020202020204" pitchFamily="34" charset="0"/>
+              <a:buChar char="•"/>
+              <a:defRPr sz="1800" kern="1200">
+                <a:solidFill>
+                  <a:schemeClr val="tx1"/>
+                </a:solidFill>
+                <a:latin typeface="+mn-lt"/>
+                <a:ea typeface="+mn-ea"/>
+                <a:cs typeface="+mn-cs"/>
+              </a:defRPr>
+            </a:lvl4pPr>
+            <a:lvl5pPr marL="2057400" indent="-228600" algn="l" defTabSz="914400" rtl="0" eaLnBrk="1" latinLnBrk="0" hangingPunct="1">
+              <a:lnSpc>
+                <a:spcPct val="90000"/>
+              </a:lnSpc>
+              <a:spcBef>
+                <a:spcPts val="500"/>
+              </a:spcBef>
+              <a:buFont typeface="Arial" panose="020B0604020202020204" pitchFamily="34" charset="0"/>
+              <a:buChar char="•"/>
+              <a:defRPr sz="1800" kern="1200">
+                <a:solidFill>
+                  <a:schemeClr val="tx1"/>
+                </a:solidFill>
+                <a:latin typeface="+mn-lt"/>
+                <a:ea typeface="+mn-ea"/>
+                <a:cs typeface="+mn-cs"/>
+              </a:defRPr>
+            </a:lvl5pPr>
+            <a:lvl6pPr marL="2514600" indent="-228600" algn="l" defTabSz="914400" rtl="0" eaLnBrk="1" latinLnBrk="0" hangingPunct="1">
+              <a:lnSpc>
+                <a:spcPct val="90000"/>
+              </a:lnSpc>
+              <a:spcBef>
+                <a:spcPts val="500"/>
+              </a:spcBef>
+              <a:buFont typeface="Arial" panose="020B0604020202020204" pitchFamily="34" charset="0"/>
+              <a:buChar char="•"/>
+              <a:defRPr sz="1800" kern="1200">
+                <a:solidFill>
+                  <a:schemeClr val="tx1"/>
+                </a:solidFill>
+                <a:latin typeface="+mn-lt"/>
+                <a:ea typeface="+mn-ea"/>
+                <a:cs typeface="+mn-cs"/>
+              </a:defRPr>
+            </a:lvl6pPr>
+            <a:lvl7pPr marL="2971800" indent="-228600" algn="l" defTabSz="914400" rtl="0" eaLnBrk="1" latinLnBrk="0" hangingPunct="1">
+              <a:lnSpc>
+                <a:spcPct val="90000"/>
+              </a:lnSpc>
+              <a:spcBef>
+                <a:spcPts val="500"/>
+              </a:spcBef>
+              <a:buFont typeface="Arial" panose="020B0604020202020204" pitchFamily="34" charset="0"/>
+              <a:buChar char="•"/>
+              <a:defRPr sz="1800" kern="1200">
+                <a:solidFill>
+                  <a:schemeClr val="tx1"/>
+                </a:solidFill>
+                <a:latin typeface="+mn-lt"/>
+                <a:ea typeface="+mn-ea"/>
+                <a:cs typeface="+mn-cs"/>
+              </a:defRPr>
+            </a:lvl7pPr>
+            <a:lvl8pPr marL="3429000" indent="-228600" algn="l" defTabSz="914400" rtl="0" eaLnBrk="1" latinLnBrk="0" hangingPunct="1">
+              <a:lnSpc>
+                <a:spcPct val="90000"/>
+              </a:lnSpc>
+              <a:spcBef>
+                <a:spcPts val="500"/>
+              </a:spcBef>
+              <a:buFont typeface="Arial" panose="020B0604020202020204" pitchFamily="34" charset="0"/>
+              <a:buChar char="•"/>
+              <a:defRPr sz="1800" kern="1200">
+                <a:solidFill>
+                  <a:schemeClr val="tx1"/>
+                </a:solidFill>
+                <a:latin typeface="+mn-lt"/>
+                <a:ea typeface="+mn-ea"/>
+                <a:cs typeface="+mn-cs"/>
+              </a:defRPr>
+            </a:lvl8pPr>
+            <a:lvl9pPr marL="3886200" indent="-228600" algn="l" defTabSz="914400" rtl="0" eaLnBrk="1" latinLnBrk="0" hangingPunct="1">
+              <a:lnSpc>
+                <a:spcPct val="90000"/>
+              </a:lnSpc>
+              <a:spcBef>
+                <a:spcPts val="500"/>
+              </a:spcBef>
+              <a:buFont typeface="Arial" panose="020B0604020202020204" pitchFamily="34" charset="0"/>
+              <a:buChar char="•"/>
+              <a:defRPr sz="1800" kern="1200">
+                <a:solidFill>
+                  <a:schemeClr val="tx1"/>
+                </a:solidFill>
+                <a:latin typeface="+mn-lt"/>
+                <a:ea typeface="+mn-ea"/>
+                <a:cs typeface="+mn-cs"/>
+              </a:defRPr>
+            </a:lvl9pPr>
+          </a:lstStyle>
+          <a:p>
+            <a:pPr marL="0" indent="0">
+              <a:buNone/>
+            </a:pPr>
+            <a:r>
+              <a:rPr lang="en-GB" dirty="0"/>
+              <a:t>And then some string operations: </a:t>
+            </a:r>
+          </a:p>
+          <a:p>
+            <a:r>
+              <a:rPr lang="en-GB" dirty="0"/>
+              <a:t>‘</a:t>
+            </a:r>
+            <a:r>
+              <a:rPr lang="en-GB" dirty="0" err="1"/>
               <a:t>sp</a:t>
             </a:r>
             <a:r>
-              <a:rPr lang="en-GB" sz="2400"/>
-              <a:t>’+‘</a:t>
-            </a:r>
-            <a:r>
-              <a:rPr lang="en-GB" sz="2400" dirty="0"/>
-              <a:t>am’,  ‘spam  ’ * 5,  ‘abracadabra’[1:-1:2]</a:t>
-            </a:r>
+              <a:rPr lang="en-GB"/>
+              <a:t>’ + ‘</a:t>
+            </a:r>
+            <a:r>
+              <a:rPr lang="en-GB" dirty="0"/>
+              <a:t>am’</a:t>
+            </a:r>
+          </a:p>
+          <a:p>
+            <a:r>
+              <a:rPr lang="en-GB" dirty="0"/>
+              <a:t>‘spam  ’ * 5</a:t>
+            </a:r>
+          </a:p>
+          <a:p>
+            <a:r>
+              <a:rPr lang="en-GB" dirty="0"/>
+              <a:t>‘abracadabra’[1:-1:2]</a:t>
+            </a:r>
+          </a:p>
+          <a:p>
+            <a:endParaRPr lang="en-GB" dirty="0"/>
           </a:p>
         </p:txBody>
       </p:sp>
